--- a/Unit Testing in AngularJS.pptx
+++ b/Unit Testing in AngularJS.pptx
@@ -24,8 +24,9 @@
     <p:sldId id="273" r:id="rId18"/>
     <p:sldId id="276" r:id="rId19"/>
     <p:sldId id="261" r:id="rId20"/>
-    <p:sldId id="285" r:id="rId21"/>
-    <p:sldId id="287" r:id="rId22"/>
+    <p:sldId id="289" r:id="rId21"/>
+    <p:sldId id="285" r:id="rId22"/>
+    <p:sldId id="287" r:id="rId23"/>
   </p:sldIdLst>
   <p:sldSz cx="12192000" cy="6858000"/>
   <p:notesSz cx="6858000" cy="9144000"/>
@@ -854,7 +855,7 @@
           <a:p>
             <a:fld id="{6E8CD2AD-83E6-46DE-80A3-5217DFE99511}" type="datetimeFigureOut">
               <a:rPr lang="en-US" smtClean="0"/>
-              <a:t>11/28/2018</a:t>
+              <a:t>11/29/2018</a:t>
             </a:fld>
             <a:endParaRPr lang="en-US"/>
           </a:p>
@@ -1105,7 +1106,7 @@
           <a:p>
             <a:fld id="{6E8CD2AD-83E6-46DE-80A3-5217DFE99511}" type="datetimeFigureOut">
               <a:rPr lang="en-US" smtClean="0"/>
-              <a:t>11/28/2018</a:t>
+              <a:t>11/29/2018</a:t>
             </a:fld>
             <a:endParaRPr lang="en-US"/>
           </a:p>
@@ -1419,7 +1420,7 @@
           <a:p>
             <a:fld id="{6E8CD2AD-83E6-46DE-80A3-5217DFE99511}" type="datetimeFigureOut">
               <a:rPr lang="en-US" smtClean="0"/>
-              <a:t>11/28/2018</a:t>
+              <a:t>11/29/2018</a:t>
             </a:fld>
             <a:endParaRPr lang="en-US"/>
           </a:p>
@@ -1760,7 +1761,7 @@
           <a:p>
             <a:fld id="{6E8CD2AD-83E6-46DE-80A3-5217DFE99511}" type="datetimeFigureOut">
               <a:rPr lang="en-US" smtClean="0"/>
-              <a:t>11/28/2018</a:t>
+              <a:t>11/29/2018</a:t>
             </a:fld>
             <a:endParaRPr lang="en-US"/>
           </a:p>
@@ -2074,7 +2075,7 @@
           <a:p>
             <a:fld id="{6E8CD2AD-83E6-46DE-80A3-5217DFE99511}" type="datetimeFigureOut">
               <a:rPr lang="en-US" smtClean="0"/>
-              <a:t>11/28/2018</a:t>
+              <a:t>11/29/2018</a:t>
             </a:fld>
             <a:endParaRPr lang="en-US"/>
           </a:p>
@@ -2467,7 +2468,7 @@
           <a:p>
             <a:fld id="{6E8CD2AD-83E6-46DE-80A3-5217DFE99511}" type="datetimeFigureOut">
               <a:rPr lang="en-US" smtClean="0"/>
-              <a:t>11/28/2018</a:t>
+              <a:t>11/29/2018</a:t>
             </a:fld>
             <a:endParaRPr lang="en-US"/>
           </a:p>
@@ -2637,7 +2638,7 @@
           <a:p>
             <a:fld id="{6E8CD2AD-83E6-46DE-80A3-5217DFE99511}" type="datetimeFigureOut">
               <a:rPr lang="en-US" smtClean="0"/>
-              <a:t>11/28/2018</a:t>
+              <a:t>11/29/2018</a:t>
             </a:fld>
             <a:endParaRPr lang="en-US"/>
           </a:p>
@@ -2817,7 +2818,7 @@
           <a:p>
             <a:fld id="{6E8CD2AD-83E6-46DE-80A3-5217DFE99511}" type="datetimeFigureOut">
               <a:rPr lang="en-US" smtClean="0"/>
-              <a:t>11/28/2018</a:t>
+              <a:t>11/29/2018</a:t>
             </a:fld>
             <a:endParaRPr lang="en-US"/>
           </a:p>
@@ -2993,7 +2994,7 @@
           <a:p>
             <a:fld id="{6E8CD2AD-83E6-46DE-80A3-5217DFE99511}" type="datetimeFigureOut">
               <a:rPr lang="en-US" smtClean="0"/>
-              <a:t>11/28/2018</a:t>
+              <a:t>11/29/2018</a:t>
             </a:fld>
             <a:endParaRPr lang="en-US"/>
           </a:p>
@@ -3240,7 +3241,7 @@
           <a:p>
             <a:fld id="{6E8CD2AD-83E6-46DE-80A3-5217DFE99511}" type="datetimeFigureOut">
               <a:rPr lang="en-US" smtClean="0"/>
-              <a:t>11/28/2018</a:t>
+              <a:t>11/29/2018</a:t>
             </a:fld>
             <a:endParaRPr lang="en-US"/>
           </a:p>
@@ -3472,7 +3473,7 @@
           <a:p>
             <a:fld id="{6E8CD2AD-83E6-46DE-80A3-5217DFE99511}" type="datetimeFigureOut">
               <a:rPr lang="en-US" smtClean="0"/>
-              <a:t>11/28/2018</a:t>
+              <a:t>11/29/2018</a:t>
             </a:fld>
             <a:endParaRPr lang="en-US"/>
           </a:p>
@@ -3851,7 +3852,7 @@
           <a:p>
             <a:fld id="{6E8CD2AD-83E6-46DE-80A3-5217DFE99511}" type="datetimeFigureOut">
               <a:rPr lang="en-US" smtClean="0"/>
-              <a:t>11/28/2018</a:t>
+              <a:t>11/29/2018</a:t>
             </a:fld>
             <a:endParaRPr lang="en-US"/>
           </a:p>
@@ -3979,7 +3980,7 @@
           <a:p>
             <a:fld id="{6E8CD2AD-83E6-46DE-80A3-5217DFE99511}" type="datetimeFigureOut">
               <a:rPr lang="en-US" smtClean="0"/>
-              <a:t>11/28/2018</a:t>
+              <a:t>11/29/2018</a:t>
             </a:fld>
             <a:endParaRPr lang="en-US"/>
           </a:p>
@@ -4074,7 +4075,7 @@
           <a:p>
             <a:fld id="{6E8CD2AD-83E6-46DE-80A3-5217DFE99511}" type="datetimeFigureOut">
               <a:rPr lang="en-US" smtClean="0"/>
-              <a:t>11/28/2018</a:t>
+              <a:t>11/29/2018</a:t>
             </a:fld>
             <a:endParaRPr lang="en-US"/>
           </a:p>
@@ -4329,7 +4330,7 @@
           <a:p>
             <a:fld id="{6E8CD2AD-83E6-46DE-80A3-5217DFE99511}" type="datetimeFigureOut">
               <a:rPr lang="en-US" smtClean="0"/>
-              <a:t>11/28/2018</a:t>
+              <a:t>11/29/2018</a:t>
             </a:fld>
             <a:endParaRPr lang="en-US"/>
           </a:p>
@@ -4597,7 +4598,7 @@
           <a:p>
             <a:fld id="{6E8CD2AD-83E6-46DE-80A3-5217DFE99511}" type="datetimeFigureOut">
               <a:rPr lang="en-US" smtClean="0"/>
-              <a:t>11/28/2018</a:t>
+              <a:t>11/29/2018</a:t>
             </a:fld>
             <a:endParaRPr lang="en-US"/>
           </a:p>
@@ -5340,7 +5341,7 @@
           <a:p>
             <a:fld id="{6E8CD2AD-83E6-46DE-80A3-5217DFE99511}" type="datetimeFigureOut">
               <a:rPr lang="en-US" smtClean="0"/>
-              <a:t>11/28/2018</a:t>
+              <a:t>11/29/2018</a:t>
             </a:fld>
             <a:endParaRPr lang="en-US"/>
           </a:p>
@@ -7396,15 +7397,7 @@
           <a:p>
             <a:r>
               <a:rPr lang="en-US" dirty="0" smtClean="0"/>
-              <a:t>Section </a:t>
-            </a:r>
-            <a:r>
-              <a:rPr lang="en-US" dirty="0" smtClean="0"/>
-              <a:t>D: </a:t>
-            </a:r>
-            <a:r>
-              <a:rPr lang="en-US" dirty="0" smtClean="0"/>
-              <a:t>Jasmine Specs (test cases)</a:t>
+              <a:t>Section D: Jasmine Specs (test cases)</a:t>
             </a:r>
             <a:endParaRPr lang="en-US" dirty="0"/>
           </a:p>
@@ -7483,36 +7476,32 @@
           <a:p>
             <a:r>
               <a:rPr lang="en-US" dirty="0" smtClean="0"/>
-              <a:t>Notes on </a:t>
-            </a:r>
+              <a:t>Notes on Jasmine</a:t>
+            </a:r>
+            <a:endParaRPr lang="en-US" dirty="0"/>
+          </a:p>
+        </p:txBody>
+      </p:sp>
+      <p:sp>
+        <p:nvSpPr>
+          <p:cNvPr id="3" name="Content Placeholder 2"/>
+          <p:cNvSpPr>
+            <a:spLocks noGrp="1"/>
+          </p:cNvSpPr>
+          <p:nvPr>
+            <p:ph idx="1"/>
+          </p:nvPr>
+        </p:nvSpPr>
+        <p:spPr/>
+        <p:txBody>
+          <a:bodyPr>
+            <a:normAutofit fontScale="85000" lnSpcReduction="20000"/>
+          </a:bodyPr>
+          <a:lstStyle/>
+          <a:p>
             <a:r>
               <a:rPr lang="en-US" dirty="0" smtClean="0"/>
-              <a:t>Jasmine</a:t>
-            </a:r>
-            <a:endParaRPr lang="en-US" dirty="0"/>
-          </a:p>
-        </p:txBody>
-      </p:sp>
-      <p:sp>
-        <p:nvSpPr>
-          <p:cNvPr id="3" name="Content Placeholder 2"/>
-          <p:cNvSpPr>
-            <a:spLocks noGrp="1"/>
-          </p:cNvSpPr>
-          <p:nvPr>
-            <p:ph idx="1"/>
-          </p:nvPr>
-        </p:nvSpPr>
-        <p:spPr/>
-        <p:txBody>
-          <a:bodyPr>
-            <a:normAutofit lnSpcReduction="10000"/>
-          </a:bodyPr>
-          <a:lstStyle/>
-          <a:p>
-            <a:r>
-              <a:rPr lang="en-US" dirty="0" smtClean="0"/>
-              <a:t>Skim through Jasmine walkthrough:</a:t>
+              <a:t>Basic Jasmine walkthrough:</a:t>
             </a:r>
           </a:p>
           <a:p>
@@ -7527,12 +7516,30 @@
           </a:p>
           <a:p>
             <a:r>
+              <a:rPr lang="en-US" dirty="0"/>
+              <a:t>Jasmine Style Guide</a:t>
+            </a:r>
+          </a:p>
+          <a:p>
+            <a:pPr lvl="1"/>
+            <a:r>
+              <a:rPr lang="en-US" dirty="0">
+                <a:hlinkClick r:id="rId3"/>
+              </a:rPr>
+              <a:t>https://</a:t>
+            </a:r>
+            <a:r>
+              <a:rPr lang="en-US" dirty="0" smtClean="0">
+                <a:hlinkClick r:id="rId3"/>
+              </a:rPr>
+              <a:t>github.com/CareMessagePlatform/jasmine-styleguide#speak-human</a:t>
+            </a:r>
+            <a:endParaRPr lang="en-US" dirty="0" smtClean="0"/>
+          </a:p>
+          <a:p>
+            <a:r>
               <a:rPr lang="en-US" dirty="0" smtClean="0"/>
-              <a:t>Demo</a:t>
-            </a:r>
-            <a:r>
-              <a:rPr lang="en-US" dirty="0" smtClean="0"/>
-              <a:t>:</a:t>
+              <a:t>Demo:</a:t>
             </a:r>
           </a:p>
           <a:p>
@@ -7670,11 +7677,7 @@
           <a:p>
             <a:r>
               <a:rPr lang="en-US" dirty="0" smtClean="0"/>
-              <a:t>Section A: Unit </a:t>
-            </a:r>
-            <a:r>
-              <a:rPr lang="en-US" dirty="0" smtClean="0"/>
-              <a:t>Testing Overview</a:t>
+              <a:t>Section A: Unit Testing Overview</a:t>
             </a:r>
             <a:endParaRPr lang="en-US" dirty="0"/>
           </a:p>
@@ -7758,7 +7761,7 @@
             <a:spLocks noGrp="1"/>
           </p:cNvSpPr>
           <p:nvPr>
-            <p:ph type="ctrTitle"/>
+            <p:ph type="title"/>
           </p:nvPr>
         </p:nvSpPr>
         <p:spPr/>
@@ -7768,39 +7771,95 @@
           <a:p>
             <a:r>
               <a:rPr lang="en-US" dirty="0" smtClean="0"/>
-              <a:t>Section </a:t>
-            </a:r>
+              <a:t>Notes on Jasmine</a:t>
+            </a:r>
+            <a:endParaRPr lang="en-US" dirty="0"/>
+          </a:p>
+        </p:txBody>
+      </p:sp>
+      <p:sp>
+        <p:nvSpPr>
+          <p:cNvPr id="3" name="Content Placeholder 2"/>
+          <p:cNvSpPr>
+            <a:spLocks noGrp="1"/>
+          </p:cNvSpPr>
+          <p:nvPr>
+            <p:ph idx="1"/>
+          </p:nvPr>
+        </p:nvSpPr>
+        <p:spPr/>
+        <p:txBody>
+          <a:bodyPr>
+            <a:normAutofit/>
+          </a:bodyPr>
+          <a:lstStyle/>
+          <a:p>
             <a:r>
               <a:rPr lang="en-US" dirty="0" smtClean="0"/>
-              <a:t>E: Best Practices</a:t>
-            </a:r>
+              <a:t>Naming Conventions</a:t>
+            </a:r>
+          </a:p>
+          <a:p>
+            <a:pPr lvl="1"/>
+            <a:r>
+              <a:rPr lang="en-US" dirty="0" smtClean="0"/>
+              <a:t>Source</a:t>
+            </a:r>
+            <a:r>
+              <a:rPr lang="en-US" dirty="0"/>
+              <a:t>: </a:t>
+            </a:r>
+            <a:r>
+              <a:rPr lang="en-US" dirty="0">
+                <a:hlinkClick r:id="rId2"/>
+              </a:rPr>
+              <a:t>https://</a:t>
+            </a:r>
+            <a:r>
+              <a:rPr lang="en-US" dirty="0" smtClean="0">
+                <a:hlinkClick r:id="rId2"/>
+              </a:rPr>
+              <a:t>github.com/CareMessagePlatform/jasmine-styleguide#speak-human</a:t>
+            </a:r>
+            <a:endParaRPr lang="en-US" dirty="0" smtClean="0"/>
+          </a:p>
+          <a:p>
+            <a:pPr lvl="1"/>
+            <a:endParaRPr lang="en-US" dirty="0" smtClean="0"/>
+          </a:p>
+          <a:p>
             <a:endParaRPr lang="en-US" dirty="0"/>
           </a:p>
         </p:txBody>
       </p:sp>
-      <p:sp>
-        <p:nvSpPr>
-          <p:cNvPr id="3" name="Subtitle 2"/>
-          <p:cNvSpPr>
-            <a:spLocks noGrp="1"/>
-          </p:cNvSpPr>
-          <p:nvPr>
-            <p:ph type="subTitle" idx="1"/>
-          </p:nvPr>
-        </p:nvSpPr>
-        <p:spPr/>
-        <p:txBody>
-          <a:bodyPr/>
-          <a:lstStyle/>
-          <a:p>
-            <a:endParaRPr lang="en-US"/>
-          </a:p>
-        </p:txBody>
-      </p:sp>
+      <p:pic>
+        <p:nvPicPr>
+          <p:cNvPr id="4" name="Picture 3"/>
+          <p:cNvPicPr>
+            <a:picLocks noChangeAspect="1"/>
+          </p:cNvPicPr>
+          <p:nvPr/>
+        </p:nvPicPr>
+        <p:blipFill>
+          <a:blip r:embed="rId3"/>
+          <a:stretch>
+            <a:fillRect/>
+          </a:stretch>
+        </p:blipFill>
+        <p:spPr>
+          <a:xfrm>
+            <a:off x="2207202" y="2946039"/>
+            <a:ext cx="6571038" cy="3742329"/>
+          </a:xfrm>
+          <a:prstGeom prst="rect">
+            <a:avLst/>
+          </a:prstGeom>
+        </p:spPr>
+      </p:pic>
     </p:spTree>
     <p:extLst>
       <p:ext uri="{BB962C8B-B14F-4D97-AF65-F5344CB8AC3E}">
-        <p14:creationId xmlns:p14="http://schemas.microsoft.com/office/powerpoint/2010/main" val="961674199"/>
+        <p14:creationId xmlns:p14="http://schemas.microsoft.com/office/powerpoint/2010/main" val="1490179902"/>
       </p:ext>
     </p:extLst>
   </p:cSld>
@@ -7841,6 +7900,85 @@
             <a:spLocks noGrp="1"/>
           </p:cNvSpPr>
           <p:nvPr>
+            <p:ph type="ctrTitle"/>
+          </p:nvPr>
+        </p:nvSpPr>
+        <p:spPr/>
+        <p:txBody>
+          <a:bodyPr/>
+          <a:lstStyle/>
+          <a:p>
+            <a:r>
+              <a:rPr lang="en-US" dirty="0" smtClean="0"/>
+              <a:t>Section E: Best Practices</a:t>
+            </a:r>
+            <a:endParaRPr lang="en-US" dirty="0"/>
+          </a:p>
+        </p:txBody>
+      </p:sp>
+      <p:sp>
+        <p:nvSpPr>
+          <p:cNvPr id="3" name="Subtitle 2"/>
+          <p:cNvSpPr>
+            <a:spLocks noGrp="1"/>
+          </p:cNvSpPr>
+          <p:nvPr>
+            <p:ph type="subTitle" idx="1"/>
+          </p:nvPr>
+        </p:nvSpPr>
+        <p:spPr/>
+        <p:txBody>
+          <a:bodyPr/>
+          <a:lstStyle/>
+          <a:p>
+            <a:endParaRPr lang="en-US"/>
+          </a:p>
+        </p:txBody>
+      </p:sp>
+    </p:spTree>
+    <p:extLst>
+      <p:ext uri="{BB962C8B-B14F-4D97-AF65-F5344CB8AC3E}">
+        <p14:creationId xmlns:p14="http://schemas.microsoft.com/office/powerpoint/2010/main" val="961674199"/>
+      </p:ext>
+    </p:extLst>
+  </p:cSld>
+  <p:clrMapOvr>
+    <a:masterClrMapping/>
+  </p:clrMapOvr>
+  <p:timing>
+    <p:tnLst>
+      <p:par>
+        <p:cTn id="1" dur="indefinite" restart="never" nodeType="tmRoot"/>
+      </p:par>
+    </p:tnLst>
+  </p:timing>
+</p:sld>
+</file>
+
+<file path=ppt/slides/slide22.xml><?xml version="1.0" encoding="utf-8"?>
+<p:sld xmlns:a="http://schemas.openxmlformats.org/drawingml/2006/main" xmlns:r="http://schemas.openxmlformats.org/officeDocument/2006/relationships" xmlns:p="http://schemas.openxmlformats.org/presentationml/2006/main">
+  <p:cSld>
+    <p:spTree>
+      <p:nvGrpSpPr>
+        <p:cNvPr id="1" name=""/>
+        <p:cNvGrpSpPr/>
+        <p:nvPr/>
+      </p:nvGrpSpPr>
+      <p:grpSpPr>
+        <a:xfrm>
+          <a:off x="0" y="0"/>
+          <a:ext cx="0" cy="0"/>
+          <a:chOff x="0" y="0"/>
+          <a:chExt cx="0" cy="0"/>
+        </a:xfrm>
+      </p:grpSpPr>
+      <p:sp>
+        <p:nvSpPr>
+          <p:cNvPr id="2" name="Title 1"/>
+          <p:cNvSpPr>
+            <a:spLocks noGrp="1"/>
+          </p:cNvSpPr>
+          <p:nvPr>
             <p:ph type="title"/>
           </p:nvPr>
         </p:nvSpPr>
@@ -7895,6 +8033,9 @@
               </a:rPr>
               <a:t>notafraidofwong.blogspot.com/2018/08/unit-testing-unit-test-as-bug-report.html</a:t>
             </a:r>
+            <a:endParaRPr lang="en-US" dirty="0" smtClean="0"/>
+          </a:p>
+          <a:p>
             <a:endParaRPr lang="en-US" dirty="0" smtClean="0"/>
           </a:p>
           <a:p>
@@ -8036,11 +8177,7 @@
           <a:p>
             <a:r>
               <a:rPr lang="en-US" dirty="0" smtClean="0"/>
-              <a:t>Section B: </a:t>
-            </a:r>
-            <a:r>
-              <a:rPr lang="en-US" dirty="0" smtClean="0"/>
-              <a:t>Unit Testing Deep Dive</a:t>
+              <a:t>Section B: Unit Testing Deep Dive</a:t>
             </a:r>
             <a:endParaRPr lang="en-US" dirty="0"/>
           </a:p>
@@ -8212,15 +8349,7 @@
           <a:p>
             <a:r>
               <a:rPr lang="en-US" dirty="0" smtClean="0"/>
-              <a:t>Section </a:t>
-            </a:r>
-            <a:r>
-              <a:rPr lang="en-US" dirty="0" smtClean="0"/>
-              <a:t>C: </a:t>
-            </a:r>
-            <a:r>
-              <a:rPr lang="en-US" dirty="0" smtClean="0"/>
-              <a:t>AngularJS Unit Testing Framework - Karma</a:t>
+              <a:t>Section C: AngularJS Unit Testing Framework - Karma</a:t>
             </a:r>
             <a:endParaRPr lang="en-US" dirty="0"/>
           </a:p>
